--- a/tests/pptx/test_phl_with_table.pptx
+++ b/tests/pptx/test_phl_with_table.pptx
@@ -2303,40 +2303,40 @@
                     <a:lstStyle/>
                     <a:p>
                       <a:r>
-                        <a:t>5.0</a:t>
-                      </a:r>
-                    </a:p>
-                  </a:txBody>
-                </a:tc>
-                <a:tc>
-                  <a:txBody>
-                    <a:bodyPr/>
-                    <a:lstStyle/>
-                    <a:p>
-                      <a:r>
-                        <a:t>3.5</a:t>
-                      </a:r>
-                    </a:p>
-                  </a:txBody>
-                </a:tc>
-                <a:tc>
-                  <a:txBody>
-                    <a:bodyPr/>
-                    <a:lstStyle/>
-                    <a:p>
-                      <a:r>
-                        <a:t>1.6</a:t>
-                      </a:r>
-                    </a:p>
-                  </a:txBody>
-                </a:tc>
-                <a:tc>
-                  <a:txBody>
-                    <a:bodyPr/>
-                    <a:lstStyle/>
-                    <a:p>
-                      <a:r>
-                        <a:t>0.6</a:t>
+                        <a:t>4.3</a:t>
+                      </a:r>
+                    </a:p>
+                  </a:txBody>
+                </a:tc>
+                <a:tc>
+                  <a:txBody>
+                    <a:bodyPr/>
+                    <a:lstStyle/>
+                    <a:p>
+                      <a:r>
+                        <a:t>3.0</a:t>
+                      </a:r>
+                    </a:p>
+                  </a:txBody>
+                </a:tc>
+                <a:tc>
+                  <a:txBody>
+                    <a:bodyPr/>
+                    <a:lstStyle/>
+                    <a:p>
+                      <a:r>
+                        <a:t>1.1</a:t>
+                      </a:r>
+                    </a:p>
+                  </a:txBody>
+                </a:tc>
+                <a:tc>
+                  <a:txBody>
+                    <a:bodyPr/>
+                    <a:lstStyle/>
+                    <a:p>
+                      <a:r>
+                        <a:t>0.1</a:t>
                       </a:r>
                     </a:p>
                   </a:txBody>
@@ -2360,51 +2360,51 @@
                     <a:lstStyle/>
                     <a:p>
                       <a:r>
-                        <a:t>7.7</a:t>
-                      </a:r>
-                    </a:p>
-                  </a:txBody>
-                </a:tc>
-                <a:tc>
-                  <a:txBody>
-                    <a:bodyPr/>
-                    <a:lstStyle/>
-                    <a:p>
-                      <a:r>
-                        <a:t>3.8</a:t>
-                      </a:r>
-                    </a:p>
-                  </a:txBody>
-                </a:tc>
-                <a:tc>
-                  <a:txBody>
-                    <a:bodyPr/>
-                    <a:lstStyle/>
-                    <a:p>
-                      <a:r>
-                        <a:t>6.7</a:t>
-                      </a:r>
-                    </a:p>
-                  </a:txBody>
-                </a:tc>
-                <a:tc>
-                  <a:txBody>
-                    <a:bodyPr/>
-                    <a:lstStyle/>
-                    <a:p>
-                      <a:r>
-                        <a:t>2.2</a:t>
-                      </a:r>
-                    </a:p>
-                  </a:txBody>
-                </a:tc>
-                <a:tc>
-                  <a:txBody>
-                    <a:bodyPr/>
-                    <a:lstStyle/>
-                    <a:p>
-                      <a:r>
-                        <a:t>virginica</a:t>
+                        <a:t>5.0</a:t>
+                      </a:r>
+                    </a:p>
+                  </a:txBody>
+                </a:tc>
+                <a:tc>
+                  <a:txBody>
+                    <a:bodyPr/>
+                    <a:lstStyle/>
+                    <a:p>
+                      <a:r>
+                        <a:t>3.3</a:t>
+                      </a:r>
+                    </a:p>
+                  </a:txBody>
+                </a:tc>
+                <a:tc>
+                  <a:txBody>
+                    <a:bodyPr/>
+                    <a:lstStyle/>
+                    <a:p>
+                      <a:r>
+                        <a:t>1.4</a:t>
+                      </a:r>
+                    </a:p>
+                  </a:txBody>
+                </a:tc>
+                <a:tc>
+                  <a:txBody>
+                    <a:bodyPr/>
+                    <a:lstStyle/>
+                    <a:p>
+                      <a:r>
+                        <a:t>0.2</a:t>
+                      </a:r>
+                    </a:p>
+                  </a:txBody>
+                </a:tc>
+                <a:tc>
+                  <a:txBody>
+                    <a:bodyPr/>
+                    <a:lstStyle/>
+                    <a:p>
+                      <a:r>
+                        <a:t>setosa</a:t>
                       </a:r>
                     </a:p>
                   </a:txBody>
@@ -2417,51 +2417,51 @@
                     <a:lstStyle/>
                     <a:p>
                       <a:r>
-                        <a:t>5.0</a:t>
-                      </a:r>
-                    </a:p>
-                  </a:txBody>
-                </a:tc>
-                <a:tc>
-                  <a:txBody>
-                    <a:bodyPr/>
-                    <a:lstStyle/>
-                    <a:p>
-                      <a:r>
-                        <a:t>2.0</a:t>
-                      </a:r>
-                    </a:p>
-                  </a:txBody>
-                </a:tc>
-                <a:tc>
-                  <a:txBody>
-                    <a:bodyPr/>
-                    <a:lstStyle/>
-                    <a:p>
-                      <a:r>
-                        <a:t>3.5</a:t>
-                      </a:r>
-                    </a:p>
-                  </a:txBody>
-                </a:tc>
-                <a:tc>
-                  <a:txBody>
-                    <a:bodyPr/>
-                    <a:lstStyle/>
-                    <a:p>
-                      <a:r>
-                        <a:t>1.0</a:t>
-                      </a:r>
-                    </a:p>
-                  </a:txBody>
-                </a:tc>
-                <a:tc>
-                  <a:txBody>
-                    <a:bodyPr/>
-                    <a:lstStyle/>
-                    <a:p>
-                      <a:r>
-                        <a:t>versicolor</a:t>
+                        <a:t>7.7</a:t>
+                      </a:r>
+                    </a:p>
+                  </a:txBody>
+                </a:tc>
+                <a:tc>
+                  <a:txBody>
+                    <a:bodyPr/>
+                    <a:lstStyle/>
+                    <a:p>
+                      <a:r>
+                        <a:t>3.8</a:t>
+                      </a:r>
+                    </a:p>
+                  </a:txBody>
+                </a:tc>
+                <a:tc>
+                  <a:txBody>
+                    <a:bodyPr/>
+                    <a:lstStyle/>
+                    <a:p>
+                      <a:r>
+                        <a:t>6.7</a:t>
+                      </a:r>
+                    </a:p>
+                  </a:txBody>
+                </a:tc>
+                <a:tc>
+                  <a:txBody>
+                    <a:bodyPr/>
+                    <a:lstStyle/>
+                    <a:p>
+                      <a:r>
+                        <a:t>2.2</a:t>
+                      </a:r>
+                    </a:p>
+                  </a:txBody>
+                </a:tc>
+                <a:tc>
+                  <a:txBody>
+                    <a:bodyPr/>
+                    <a:lstStyle/>
+                    <a:p>
+                      <a:r>
+                        <a:t>virginica</a:t>
                       </a:r>
                     </a:p>
                   </a:txBody>
@@ -2560,40 +2560,40 @@
                     <a:lstStyle/>
                     <a:p>
                       <a:r>
-                        <a:t>5.0</a:t>
-                      </a:r>
-                    </a:p>
-                  </a:txBody>
-                </a:tc>
-                <a:tc>
-                  <a:txBody>
-                    <a:bodyPr/>
-                    <a:lstStyle/>
-                    <a:p>
-                      <a:r>
-                        <a:t>3.5</a:t>
-                      </a:r>
-                    </a:p>
-                  </a:txBody>
-                </a:tc>
-                <a:tc>
-                  <a:txBody>
-                    <a:bodyPr/>
-                    <a:lstStyle/>
-                    <a:p>
-                      <a:r>
-                        <a:t>1.6</a:t>
-                      </a:r>
-                    </a:p>
-                  </a:txBody>
-                </a:tc>
-                <a:tc>
-                  <a:txBody>
-                    <a:bodyPr/>
-                    <a:lstStyle/>
-                    <a:p>
-                      <a:r>
-                        <a:t>0.6</a:t>
+                        <a:t>4.3</a:t>
+                      </a:r>
+                    </a:p>
+                  </a:txBody>
+                </a:tc>
+                <a:tc>
+                  <a:txBody>
+                    <a:bodyPr/>
+                    <a:lstStyle/>
+                    <a:p>
+                      <a:r>
+                        <a:t>3.0</a:t>
+                      </a:r>
+                    </a:p>
+                  </a:txBody>
+                </a:tc>
+                <a:tc>
+                  <a:txBody>
+                    <a:bodyPr/>
+                    <a:lstStyle/>
+                    <a:p>
+                      <a:r>
+                        <a:t>1.1</a:t>
+                      </a:r>
+                    </a:p>
+                  </a:txBody>
+                </a:tc>
+                <a:tc>
+                  <a:txBody>
+                    <a:bodyPr/>
+                    <a:lstStyle/>
+                    <a:p>
+                      <a:r>
+                        <a:t>0.1</a:t>
                       </a:r>
                     </a:p>
                   </a:txBody>
@@ -2617,51 +2617,51 @@
                     <a:lstStyle/>
                     <a:p>
                       <a:r>
-                        <a:t>7.7</a:t>
-                      </a:r>
-                    </a:p>
-                  </a:txBody>
-                </a:tc>
-                <a:tc>
-                  <a:txBody>
-                    <a:bodyPr/>
-                    <a:lstStyle/>
-                    <a:p>
-                      <a:r>
-                        <a:t>3.8</a:t>
-                      </a:r>
-                    </a:p>
-                  </a:txBody>
-                </a:tc>
-                <a:tc>
-                  <a:txBody>
-                    <a:bodyPr/>
-                    <a:lstStyle/>
-                    <a:p>
-                      <a:r>
-                        <a:t>6.7</a:t>
-                      </a:r>
-                    </a:p>
-                  </a:txBody>
-                </a:tc>
-                <a:tc>
-                  <a:txBody>
-                    <a:bodyPr/>
-                    <a:lstStyle/>
-                    <a:p>
-                      <a:r>
-                        <a:t>2.2</a:t>
-                      </a:r>
-                    </a:p>
-                  </a:txBody>
-                </a:tc>
-                <a:tc>
-                  <a:txBody>
-                    <a:bodyPr/>
-                    <a:lstStyle/>
-                    <a:p>
-                      <a:r>
-                        <a:t>virginica</a:t>
+                        <a:t>5.0</a:t>
+                      </a:r>
+                    </a:p>
+                  </a:txBody>
+                </a:tc>
+                <a:tc>
+                  <a:txBody>
+                    <a:bodyPr/>
+                    <a:lstStyle/>
+                    <a:p>
+                      <a:r>
+                        <a:t>3.3</a:t>
+                      </a:r>
+                    </a:p>
+                  </a:txBody>
+                </a:tc>
+                <a:tc>
+                  <a:txBody>
+                    <a:bodyPr/>
+                    <a:lstStyle/>
+                    <a:p>
+                      <a:r>
+                        <a:t>1.4</a:t>
+                      </a:r>
+                    </a:p>
+                  </a:txBody>
+                </a:tc>
+                <a:tc>
+                  <a:txBody>
+                    <a:bodyPr/>
+                    <a:lstStyle/>
+                    <a:p>
+                      <a:r>
+                        <a:t>0.2</a:t>
+                      </a:r>
+                    </a:p>
+                  </a:txBody>
+                </a:tc>
+                <a:tc>
+                  <a:txBody>
+                    <a:bodyPr/>
+                    <a:lstStyle/>
+                    <a:p>
+                      <a:r>
+                        <a:t>setosa</a:t>
                       </a:r>
                     </a:p>
                   </a:txBody>
@@ -2674,51 +2674,51 @@
                     <a:lstStyle/>
                     <a:p>
                       <a:r>
-                        <a:t>5.0</a:t>
-                      </a:r>
-                    </a:p>
-                  </a:txBody>
-                </a:tc>
-                <a:tc>
-                  <a:txBody>
-                    <a:bodyPr/>
-                    <a:lstStyle/>
-                    <a:p>
-                      <a:r>
-                        <a:t>2.0</a:t>
-                      </a:r>
-                    </a:p>
-                  </a:txBody>
-                </a:tc>
-                <a:tc>
-                  <a:txBody>
-                    <a:bodyPr/>
-                    <a:lstStyle/>
-                    <a:p>
-                      <a:r>
-                        <a:t>3.5</a:t>
-                      </a:r>
-                    </a:p>
-                  </a:txBody>
-                </a:tc>
-                <a:tc>
-                  <a:txBody>
-                    <a:bodyPr/>
-                    <a:lstStyle/>
-                    <a:p>
-                      <a:r>
-                        <a:t>1.0</a:t>
-                      </a:r>
-                    </a:p>
-                  </a:txBody>
-                </a:tc>
-                <a:tc>
-                  <a:txBody>
-                    <a:bodyPr/>
-                    <a:lstStyle/>
-                    <a:p>
-                      <a:r>
-                        <a:t>versicolor</a:t>
+                        <a:t>7.7</a:t>
+                      </a:r>
+                    </a:p>
+                  </a:txBody>
+                </a:tc>
+                <a:tc>
+                  <a:txBody>
+                    <a:bodyPr/>
+                    <a:lstStyle/>
+                    <a:p>
+                      <a:r>
+                        <a:t>3.8</a:t>
+                      </a:r>
+                    </a:p>
+                  </a:txBody>
+                </a:tc>
+                <a:tc>
+                  <a:txBody>
+                    <a:bodyPr/>
+                    <a:lstStyle/>
+                    <a:p>
+                      <a:r>
+                        <a:t>6.7</a:t>
+                      </a:r>
+                    </a:p>
+                  </a:txBody>
+                </a:tc>
+                <a:tc>
+                  <a:txBody>
+                    <a:bodyPr/>
+                    <a:lstStyle/>
+                    <a:p>
+                      <a:r>
+                        <a:t>2.2</a:t>
+                      </a:r>
+                    </a:p>
+                  </a:txBody>
+                </a:tc>
+                <a:tc>
+                  <a:txBody>
+                    <a:bodyPr/>
+                    <a:lstStyle/>
+                    <a:p>
+                      <a:r>
+                        <a:t>virginica</a:t>
                       </a:r>
                     </a:p>
                   </a:txBody>
@@ -2731,51 +2731,51 @@
                     <a:lstStyle/>
                     <a:p>
                       <a:r>
-                        <a:t>7.2</a:t>
-                      </a:r>
-                    </a:p>
-                  </a:txBody>
-                </a:tc>
-                <a:tc>
-                  <a:txBody>
-                    <a:bodyPr/>
-                    <a:lstStyle/>
-                    <a:p>
-                      <a:r>
-                        <a:t>3.0</a:t>
-                      </a:r>
-                    </a:p>
-                  </a:txBody>
-                </a:tc>
-                <a:tc>
-                  <a:txBody>
-                    <a:bodyPr/>
-                    <a:lstStyle/>
-                    <a:p>
-                      <a:r>
-                        <a:t>5.8</a:t>
-                      </a:r>
-                    </a:p>
-                  </a:txBody>
-                </a:tc>
-                <a:tc>
-                  <a:txBody>
-                    <a:bodyPr/>
-                    <a:lstStyle/>
-                    <a:p>
-                      <a:r>
-                        <a:t>1.6</a:t>
-                      </a:r>
-                    </a:p>
-                  </a:txBody>
-                </a:tc>
-                <a:tc>
-                  <a:txBody>
-                    <a:bodyPr/>
-                    <a:lstStyle/>
-                    <a:p>
-                      <a:r>
-                        <a:t>virginica</a:t>
+                        <a:t>4.4</a:t>
+                      </a:r>
+                    </a:p>
+                  </a:txBody>
+                </a:tc>
+                <a:tc>
+                  <a:txBody>
+                    <a:bodyPr/>
+                    <a:lstStyle/>
+                    <a:p>
+                      <a:r>
+                        <a:t>3.2</a:t>
+                      </a:r>
+                    </a:p>
+                  </a:txBody>
+                </a:tc>
+                <a:tc>
+                  <a:txBody>
+                    <a:bodyPr/>
+                    <a:lstStyle/>
+                    <a:p>
+                      <a:r>
+                        <a:t>1.3</a:t>
+                      </a:r>
+                    </a:p>
+                  </a:txBody>
+                </a:tc>
+                <a:tc>
+                  <a:txBody>
+                    <a:bodyPr/>
+                    <a:lstStyle/>
+                    <a:p>
+                      <a:r>
+                        <a:t>0.2</a:t>
+                      </a:r>
+                    </a:p>
+                  </a:txBody>
+                </a:tc>
+                <a:tc>
+                  <a:txBody>
+                    <a:bodyPr/>
+                    <a:lstStyle/>
+                    <a:p>
+                      <a:r>
+                        <a:t>setosa</a:t>
                       </a:r>
                     </a:p>
                   </a:txBody>
@@ -2838,7 +2838,7 @@
                     <a:lstStyle/>
                     <a:p>
                       <a:r>
-                        <a:t>5.0</a:t>
+                        <a:t>4.3</a:t>
                       </a:r>
                     </a:p>
                   </a:txBody>
@@ -2862,18 +2862,18 @@
                     <a:lstStyle/>
                     <a:p>
                       <a:r>
-                        <a:t>7.7</a:t>
-                      </a:r>
-                    </a:p>
-                  </a:txBody>
-                </a:tc>
-                <a:tc>
-                  <a:txBody>
-                    <a:bodyPr/>
-                    <a:lstStyle/>
-                    <a:p>
-                      <a:r>
-                        <a:t>virginica</a:t>
+                        <a:t>5.0</a:t>
+                      </a:r>
+                    </a:p>
+                  </a:txBody>
+                </a:tc>
+                <a:tc>
+                  <a:txBody>
+                    <a:bodyPr/>
+                    <a:lstStyle/>
+                    <a:p>
+                      <a:r>
+                        <a:t>setosa</a:t>
                       </a:r>
                     </a:p>
                   </a:txBody>
@@ -2886,18 +2886,18 @@
                     <a:lstStyle/>
                     <a:p>
                       <a:r>
-                        <a:t>5.0</a:t>
-                      </a:r>
-                    </a:p>
-                  </a:txBody>
-                </a:tc>
-                <a:tc>
-                  <a:txBody>
-                    <a:bodyPr/>
-                    <a:lstStyle/>
-                    <a:p>
-                      <a:r>
-                        <a:t>versicolor</a:t>
+                        <a:t>7.7</a:t>
+                      </a:r>
+                    </a:p>
+                  </a:txBody>
+                </a:tc>
+                <a:tc>
+                  <a:txBody>
+                    <a:bodyPr/>
+                    <a:lstStyle/>
+                    <a:p>
+                      <a:r>
+                        <a:t>virginica</a:t>
                       </a:r>
                     </a:p>
                   </a:txBody>
@@ -2960,7 +2960,7 @@
                     <a:lstStyle/>
                     <a:p>
                       <a:r>
-                        <a:t>5.0</a:t>
+                        <a:t>4.3</a:t>
                       </a:r>
                     </a:p>
                   </a:txBody>
@@ -2984,18 +2984,18 @@
                     <a:lstStyle/>
                     <a:p>
                       <a:r>
-                        <a:t>7.7</a:t>
-                      </a:r>
-                    </a:p>
-                  </a:txBody>
-                </a:tc>
-                <a:tc>
-                  <a:txBody>
-                    <a:bodyPr/>
-                    <a:lstStyle/>
-                    <a:p>
-                      <a:r>
-                        <a:t>virginica</a:t>
+                        <a:t>5.0</a:t>
+                      </a:r>
+                    </a:p>
+                  </a:txBody>
+                </a:tc>
+                <a:tc>
+                  <a:txBody>
+                    <a:bodyPr/>
+                    <a:lstStyle/>
+                    <a:p>
+                      <a:r>
+                        <a:t>setosa</a:t>
                       </a:r>
                     </a:p>
                   </a:txBody>
@@ -3008,18 +3008,18 @@
                     <a:lstStyle/>
                     <a:p>
                       <a:r>
-                        <a:t>5.0</a:t>
-                      </a:r>
-                    </a:p>
-                  </a:txBody>
-                </a:tc>
-                <a:tc>
-                  <a:txBody>
-                    <a:bodyPr/>
-                    <a:lstStyle/>
-                    <a:p>
-                      <a:r>
-                        <a:t>versicolor</a:t>
+                        <a:t>7.7</a:t>
+                      </a:r>
+                    </a:p>
+                  </a:txBody>
+                </a:tc>
+                <a:tc>
+                  <a:txBody>
+                    <a:bodyPr/>
+                    <a:lstStyle/>
+                    <a:p>
+                      <a:r>
+                        <a:t>virginica</a:t>
                       </a:r>
                     </a:p>
                   </a:txBody>
@@ -3032,18 +3032,18 @@
                     <a:lstStyle/>
                     <a:p>
                       <a:r>
-                        <a:t>7.2</a:t>
-                      </a:r>
-                    </a:p>
-                  </a:txBody>
-                </a:tc>
-                <a:tc>
-                  <a:txBody>
-                    <a:bodyPr/>
-                    <a:lstStyle/>
-                    <a:p>
-                      <a:r>
-                        <a:t>virginica</a:t>
+                        <a:t>4.4</a:t>
+                      </a:r>
+                    </a:p>
+                  </a:txBody>
+                </a:tc>
+                <a:tc>
+                  <a:txBody>
+                    <a:bodyPr/>
+                    <a:lstStyle/>
+                    <a:p>
+                      <a:r>
+                        <a:t>setosa</a:t>
                       </a:r>
                     </a:p>
                   </a:txBody>
